--- a/Susan/HW1_WiggleAnimal/2020 SDA I NCTU_0856706_HW1.pptx
+++ b/Susan/HW1_WiggleAnimal/2020 SDA I NCTU_0856706_HW1.pptx
@@ -688,7 +688,7 @@
           </a:ln>
           <a:extLst>
             <a:ext uri="{C572A759-6A51-4108-AA02-DFA0A04FC94B}">
-              <ma14:wrappingTextBoxFlag xmlns:ma14="http://schemas.microsoft.com/office/mac/drawingml/2011/main" xmlns:a14="http://schemas.microsoft.com/office/drawing/2010/main" xmlns:m="http://schemas.openxmlformats.org/officeDocument/2006/math" xmlns="" val="1"/>
+              <ma14:wrappingTextBoxFlag xmlns="" xmlns:m="http://schemas.openxmlformats.org/officeDocument/2006/math" xmlns:a14="http://schemas.microsoft.com/office/drawing/2010/main" xmlns:ma14="http://schemas.microsoft.com/office/mac/drawingml/2011/main" val="1"/>
             </a:ext>
           </a:extLst>
         </p:spPr>
@@ -1308,7 +1308,7 @@
           </a:ln>
           <a:extLst>
             <a:ext uri="{C572A759-6A51-4108-AA02-DFA0A04FC94B}">
-              <ma14:wrappingTextBoxFlag xmlns:ma14="http://schemas.microsoft.com/office/mac/drawingml/2011/main" xmlns:a14="http://schemas.microsoft.com/office/drawing/2010/main" xmlns:m="http://schemas.openxmlformats.org/officeDocument/2006/math" xmlns="" val="1"/>
+              <ma14:wrappingTextBoxFlag xmlns="" xmlns:m="http://schemas.openxmlformats.org/officeDocument/2006/math" xmlns:a14="http://schemas.microsoft.com/office/drawing/2010/main" xmlns:ma14="http://schemas.microsoft.com/office/mac/drawingml/2011/main" val="1"/>
             </a:ext>
           </a:extLst>
         </p:spPr>
@@ -1359,7 +1359,7 @@
           </a:ln>
           <a:extLst>
             <a:ext uri="{C572A759-6A51-4108-AA02-DFA0A04FC94B}">
-              <ma14:wrappingTextBoxFlag xmlns:ma14="http://schemas.microsoft.com/office/mac/drawingml/2011/main" xmlns:a14="http://schemas.microsoft.com/office/drawing/2010/main" xmlns:m="http://schemas.openxmlformats.org/officeDocument/2006/math" xmlns="" val="1"/>
+              <ma14:wrappingTextBoxFlag xmlns="" xmlns:m="http://schemas.openxmlformats.org/officeDocument/2006/math" xmlns:a14="http://schemas.microsoft.com/office/drawing/2010/main" xmlns:ma14="http://schemas.microsoft.com/office/mac/drawingml/2011/main" val="1"/>
             </a:ext>
           </a:extLst>
         </p:spPr>
@@ -1398,7 +1398,7 @@
           </a:ln>
           <a:extLst>
             <a:ext uri="{C572A759-6A51-4108-AA02-DFA0A04FC94B}">
-              <ma14:wrappingTextBoxFlag xmlns:ma14="http://schemas.microsoft.com/office/mac/drawingml/2011/main" xmlns:a14="http://schemas.microsoft.com/office/drawing/2010/main" xmlns:m="http://schemas.openxmlformats.org/officeDocument/2006/math" xmlns="" val="1"/>
+              <ma14:wrappingTextBoxFlag xmlns="" xmlns:m="http://schemas.openxmlformats.org/officeDocument/2006/math" xmlns:a14="http://schemas.microsoft.com/office/drawing/2010/main" xmlns:ma14="http://schemas.microsoft.com/office/mac/drawingml/2011/main" val="1"/>
             </a:ext>
           </a:extLst>
         </p:spPr>
@@ -8964,8 +8964,12 @@
           <a:lstStyle/>
           <a:p>
             <a:r>
-              <a:rPr lang="en-US" altLang="zh-TW" dirty="0"/>
-              <a:t>Wiggle Animal</a:t>
+              <a:rPr lang="en-US" altLang="zh-TW" dirty="0" smtClean="0"/>
+              <a:t>A Swimming</a:t>
+            </a:r>
+            <a:r>
+              <a:rPr lang="en-US" altLang="zh-TW" dirty="0" smtClean="0"/>
+              <a:t> Fish</a:t>
             </a:r>
             <a:endParaRPr dirty="0"/>
           </a:p>
@@ -8991,7 +8995,7 @@
           </a:prstGeom>
           <a:extLst>
             <a:ext uri="{C572A759-6A51-4108-AA02-DFA0A04FC94B}">
-              <ma14:wrappingTextBoxFlag xmlns:ma14="http://schemas.microsoft.com/office/mac/drawingml/2011/main" xmlns:a14="http://schemas.microsoft.com/office/drawing/2010/main" xmlns:m="http://schemas.openxmlformats.org/officeDocument/2006/math" xmlns="" val="1"/>
+              <ma14:wrappingTextBoxFlag xmlns="" xmlns:m="http://schemas.openxmlformats.org/officeDocument/2006/math" xmlns:a14="http://schemas.microsoft.com/office/drawing/2010/main" xmlns:ma14="http://schemas.microsoft.com/office/mac/drawingml/2011/main" val="1"/>
             </a:ext>
           </a:extLst>
         </p:spPr>
@@ -9027,7 +9031,7 @@
           </a:ln>
           <a:extLst>
             <a:ext uri="{C572A759-6A51-4108-AA02-DFA0A04FC94B}">
-              <ma14:wrappingTextBoxFlag xmlns:ma14="http://schemas.microsoft.com/office/mac/drawingml/2011/main" xmlns:a14="http://schemas.microsoft.com/office/drawing/2010/main" xmlns:m="http://schemas.openxmlformats.org/officeDocument/2006/math" xmlns="" val="1"/>
+              <ma14:wrappingTextBoxFlag xmlns="" xmlns:m="http://schemas.openxmlformats.org/officeDocument/2006/math" xmlns:a14="http://schemas.microsoft.com/office/drawing/2010/main" xmlns:ma14="http://schemas.microsoft.com/office/mac/drawingml/2011/main" val="1"/>
             </a:ext>
           </a:extLst>
         </p:spPr>
@@ -9108,7 +9112,7 @@
           </a:prstGeom>
           <a:extLst>
             <a:ext uri="{C572A759-6A51-4108-AA02-DFA0A04FC94B}">
-              <ma14:wrappingTextBoxFlag xmlns:ma14="http://schemas.microsoft.com/office/mac/drawingml/2011/main" xmlns:a14="http://schemas.microsoft.com/office/drawing/2010/main" xmlns:m="http://schemas.openxmlformats.org/officeDocument/2006/math" xmlns="" val="1"/>
+              <ma14:wrappingTextBoxFlag xmlns="" xmlns:m="http://schemas.openxmlformats.org/officeDocument/2006/math" xmlns:a14="http://schemas.microsoft.com/office/drawing/2010/main" xmlns:ma14="http://schemas.microsoft.com/office/mac/drawingml/2011/main" val="1"/>
             </a:ext>
           </a:extLst>
         </p:spPr>
@@ -9141,12 +9145,14 @@
           </a:prstGeom>
         </p:spPr>
         <p:txBody>
-          <a:bodyPr/>
+          <a:bodyPr>
+            <a:normAutofit/>
+          </a:bodyPr>
           <a:lstStyle/>
           <a:p>
             <a:r>
-              <a:rPr lang="en-US" altLang="zh-TW" dirty="0"/>
-              <a:t>Explanation of Source Code: SDA_FittingAnimal.py</a:t>
+              <a:rPr lang="en-US" altLang="zh-TW" dirty="0" smtClean="0"/>
+              <a:t>Explanations of changes in source code</a:t>
             </a:r>
             <a:endParaRPr dirty="0"/>
           </a:p>
@@ -9191,12 +9197,350 @@
                   </a:defRPr>
                 </a:pPr>
                 <a:r>
-                  <a:rPr lang="en-US" altLang="zh-TW" dirty="0"/>
-                  <a:t>Parameters for fitting to a fish (Moorish Idol</a:t>
+                  <a:rPr lang="en-US" altLang="zh-TW" dirty="0" smtClean="0"/>
+                  <a:t>Parameters </a:t>
+                </a:r>
+                <a:r>
+                  <a:rPr lang="en-US" altLang="zh-TW" smtClean="0"/>
+                  <a:t>to fit </a:t>
                 </a:r>
                 <a:r>
                   <a:rPr lang="en-US" altLang="zh-TW" dirty="0" smtClean="0"/>
-                  <a:t>)</a:t>
+                  <a:t>a fish</a:t>
+                </a:r>
+                <a:endParaRPr lang="en-US" altLang="zh-TW" dirty="0" smtClean="0"/>
+              </a:p>
+              <a:p>
+                <a:pPr marL="768973" lvl="1" indent="-387120" defTabSz="936345">
+                  <a:lnSpc>
+                    <a:spcPct val="94000"/>
+                  </a:lnSpc>
+                  <a:spcBef>
+                    <a:spcPts val="500"/>
+                  </a:spcBef>
+                  <a:buSzPct val="100000"/>
+                  <a:buFont typeface="Franklin Gothic Book"/>
+                  <a:buChar char="–"/>
+                  <a:defRPr sz="2016">
+                    <a:solidFill>
+                      <a:srgbClr val="44546A"/>
+                    </a:solidFill>
+                    <a:latin typeface="Franklin Gothic Book"/>
+                    <a:ea typeface="Franklin Gothic Book"/>
+                    <a:cs typeface="Franklin Gothic Book"/>
+                    <a:sym typeface="Franklin Gothic Book"/>
+                  </a:defRPr>
+                </a:pPr>
+                <a14:m>
+                  <m:oMath xmlns:m="http://schemas.openxmlformats.org/officeDocument/2006/math">
+                    <m:sSub>
+                      <m:sSubPr>
+                        <m:ctrlPr>
+                          <a:rPr lang="ar-AE" altLang="zh-TW" i="1">
+                            <a:latin typeface="Cambria Math" panose="02040503050406030204" pitchFamily="18" charset="0"/>
+                            <a:sym typeface="Franklin Gothic Book"/>
+                          </a:rPr>
+                        </m:ctrlPr>
+                      </m:sSubPr>
+                      <m:e>
+                        <m:r>
+                          <a:rPr lang="zh-TW" altLang="ar-AE" i="1">
+                            <a:latin typeface="Cambria Math" panose="02040503050406030204" pitchFamily="18" charset="0"/>
+                            <a:sym typeface="Franklin Gothic Book"/>
+                          </a:rPr>
+                          <m:t>𝑓</m:t>
+                        </m:r>
+                      </m:e>
+                      <m:sub>
+                        <m:r>
+                          <a:rPr lang="zh-TW" altLang="ar-AE" i="1">
+                            <a:latin typeface="Cambria Math" panose="02040503050406030204" pitchFamily="18" charset="0"/>
+                            <a:sym typeface="Franklin Gothic Book"/>
+                          </a:rPr>
+                          <m:t>𝑥</m:t>
+                        </m:r>
+                      </m:sub>
+                    </m:sSub>
+                  </m:oMath>
+                </a14:m>
+                <a:r>
+                  <a:rPr lang="ar-AE" altLang="zh-TW" dirty="0">
+                    <a:sym typeface="Franklin Gothic Book"/>
+                  </a:rPr>
+                  <a:t>(</a:t>
+                </a:r>
+                <a:r>
+                  <a:rPr lang="en-US" altLang="zh-TW" dirty="0">
+                    <a:sym typeface="Franklin Gothic Book"/>
+                  </a:rPr>
+                  <a:t>t) = </a:t>
+                </a:r>
+                <a14:m>
+                  <m:oMath xmlns:m="http://schemas.openxmlformats.org/officeDocument/2006/math">
+                    <m:nary>
+                      <m:naryPr>
+                        <m:chr m:val="∑"/>
+                        <m:limLoc m:val="undOvr"/>
+                        <m:ctrlPr>
+                          <a:rPr lang="ar-AE" altLang="zh-TW" i="1">
+                            <a:latin typeface="Cambria Math" panose="02040503050406030204" pitchFamily="18" charset="0"/>
+                            <a:sym typeface="Franklin Gothic Book"/>
+                          </a:rPr>
+                        </m:ctrlPr>
+                      </m:naryPr>
+                      <m:sub>
+                        <m:r>
+                          <a:rPr lang="zh-TW" altLang="ar-AE" i="1">
+                            <a:latin typeface="Cambria Math" panose="02040503050406030204" pitchFamily="18" charset="0"/>
+                            <a:sym typeface="Franklin Gothic Book"/>
+                          </a:rPr>
+                          <m:t>𝑘</m:t>
+                        </m:r>
+                        <m:r>
+                          <a:rPr lang="ar-AE" altLang="zh-TW" i="1">
+                            <a:latin typeface="Cambria Math" panose="02040503050406030204" pitchFamily="18" charset="0"/>
+                            <a:sym typeface="Franklin Gothic Book"/>
+                          </a:rPr>
+                          <m:t>=</m:t>
+                        </m:r>
+                        <m:r>
+                          <a:rPr lang="ar-AE" altLang="zh-TW" i="1">
+                            <a:latin typeface="Cambria Math" panose="02040503050406030204" pitchFamily="18" charset="0"/>
+                            <a:sym typeface="Franklin Gothic Book"/>
+                          </a:rPr>
+                          <m:t>0</m:t>
+                        </m:r>
+                      </m:sub>
+                      <m:sup>
+                        <m:r>
+                          <a:rPr lang="ar-AE" altLang="zh-TW" i="1">
+                            <a:latin typeface="Cambria Math" panose="02040503050406030204" pitchFamily="18" charset="0"/>
+                            <a:sym typeface="Franklin Gothic Book"/>
+                          </a:rPr>
+                          <m:t>5</m:t>
+                        </m:r>
+                      </m:sup>
+                      <m:e>
+                        <m:r>
+                          <a:rPr lang="ar-AE" altLang="zh-TW" i="1">
+                            <a:latin typeface="Cambria Math" panose="02040503050406030204" pitchFamily="18" charset="0"/>
+                            <a:sym typeface="Franklin Gothic Book"/>
+                          </a:rPr>
+                          <m:t>(</m:t>
+                        </m:r>
+                        <m:sSub>
+                          <m:sSubPr>
+                            <m:ctrlPr>
+                              <a:rPr lang="ar-AE" altLang="zh-TW" i="1">
+                                <a:latin typeface="Cambria Math" panose="02040503050406030204" pitchFamily="18" charset="0"/>
+                                <a:sym typeface="Franklin Gothic Book"/>
+                              </a:rPr>
+                            </m:ctrlPr>
+                          </m:sSubPr>
+                          <m:e>
+                            <m:r>
+                              <a:rPr lang="zh-TW" altLang="ar-AE" i="1">
+                                <a:latin typeface="Cambria Math" panose="02040503050406030204" pitchFamily="18" charset="0"/>
+                                <a:sym typeface="Franklin Gothic Book"/>
+                              </a:rPr>
+                              <m:t>𝐴</m:t>
+                            </m:r>
+                          </m:e>
+                          <m:sub>
+                            <m:r>
+                              <a:rPr lang="zh-TW" altLang="ar-AE" i="1">
+                                <a:latin typeface="Cambria Math" panose="02040503050406030204" pitchFamily="18" charset="0"/>
+                                <a:sym typeface="Franklin Gothic Book"/>
+                              </a:rPr>
+                              <m:t>𝑥</m:t>
+                            </m:r>
+                          </m:sub>
+                        </m:sSub>
+                        <m:d>
+                          <m:dPr>
+                            <m:begChr m:val="["/>
+                            <m:endChr m:val="]"/>
+                            <m:ctrlPr>
+                              <a:rPr lang="ar-AE" altLang="zh-TW" i="1">
+                                <a:latin typeface="Cambria Math" panose="02040503050406030204" pitchFamily="18" charset="0"/>
+                                <a:sym typeface="Franklin Gothic Book"/>
+                              </a:rPr>
+                            </m:ctrlPr>
+                          </m:dPr>
+                          <m:e>
+                            <m:r>
+                              <a:rPr lang="zh-TW" altLang="ar-AE" i="1">
+                                <a:latin typeface="Cambria Math" panose="02040503050406030204" pitchFamily="18" charset="0"/>
+                                <a:sym typeface="Franklin Gothic Book"/>
+                              </a:rPr>
+                              <m:t>𝑘</m:t>
+                            </m:r>
+                          </m:e>
+                        </m:d>
+                        <m:func>
+                          <m:funcPr>
+                            <m:ctrlPr>
+                              <a:rPr lang="ar-AE" altLang="zh-TW" i="1">
+                                <a:latin typeface="Cambria Math" panose="02040503050406030204" pitchFamily="18" charset="0"/>
+                                <a:sym typeface="Franklin Gothic Book"/>
+                              </a:rPr>
+                            </m:ctrlPr>
+                          </m:funcPr>
+                          <m:fName>
+                            <m:r>
+                              <m:rPr>
+                                <m:sty m:val="p"/>
+                              </m:rPr>
+                              <a:rPr lang="en-US" altLang="zh-TW">
+                                <a:latin typeface="Cambria Math" panose="02040503050406030204" pitchFamily="18" charset="0"/>
+                                <a:sym typeface="Franklin Gothic Book"/>
+                              </a:rPr>
+                              <m:t>cos</m:t>
+                            </m:r>
+                          </m:fName>
+                          <m:e>
+                            <m:d>
+                              <m:dPr>
+                                <m:ctrlPr>
+                                  <a:rPr lang="ar-AE" altLang="zh-TW" i="1">
+                                    <a:latin typeface="Cambria Math" panose="02040503050406030204" pitchFamily="18" charset="0"/>
+                                    <a:sym typeface="Franklin Gothic Book"/>
+                                  </a:rPr>
+                                </m:ctrlPr>
+                              </m:dPr>
+                              <m:e>
+                                <m:r>
+                                  <a:rPr lang="zh-TW" altLang="ar-AE" i="1">
+                                    <a:latin typeface="Cambria Math" panose="02040503050406030204" pitchFamily="18" charset="0"/>
+                                    <a:sym typeface="Franklin Gothic Book"/>
+                                  </a:rPr>
+                                  <m:t>𝑘𝑡</m:t>
+                                </m:r>
+                              </m:e>
+                            </m:d>
+                          </m:e>
+                        </m:func>
+                        <m:r>
+                          <a:rPr lang="ar-AE" altLang="zh-TW" i="1">
+                            <a:latin typeface="Cambria Math" panose="02040503050406030204" pitchFamily="18" charset="0"/>
+                            <a:sym typeface="Franklin Gothic Book"/>
+                          </a:rPr>
+                          <m:t>+</m:t>
+                        </m:r>
+                        <m:sSub>
+                          <m:sSubPr>
+                            <m:ctrlPr>
+                              <a:rPr lang="ar-AE" altLang="zh-TW" i="1">
+                                <a:latin typeface="Cambria Math" panose="02040503050406030204" pitchFamily="18" charset="0"/>
+                                <a:sym typeface="Franklin Gothic Book"/>
+                              </a:rPr>
+                            </m:ctrlPr>
+                          </m:sSubPr>
+                          <m:e>
+                            <m:r>
+                              <a:rPr lang="zh-TW" altLang="ar-AE" i="1">
+                                <a:latin typeface="Cambria Math" panose="02040503050406030204" pitchFamily="18" charset="0"/>
+                                <a:sym typeface="Franklin Gothic Book"/>
+                              </a:rPr>
+                              <m:t>𝐵</m:t>
+                            </m:r>
+                          </m:e>
+                          <m:sub>
+                            <m:r>
+                              <a:rPr lang="zh-TW" altLang="ar-AE" i="1">
+                                <a:latin typeface="Cambria Math" panose="02040503050406030204" pitchFamily="18" charset="0"/>
+                                <a:sym typeface="Franklin Gothic Book"/>
+                              </a:rPr>
+                              <m:t>𝑥</m:t>
+                            </m:r>
+                          </m:sub>
+                        </m:sSub>
+                        <m:d>
+                          <m:dPr>
+                            <m:begChr m:val="["/>
+                            <m:endChr m:val="]"/>
+                            <m:ctrlPr>
+                              <a:rPr lang="ar-AE" altLang="zh-TW" i="1">
+                                <a:latin typeface="Cambria Math" panose="02040503050406030204" pitchFamily="18" charset="0"/>
+                                <a:sym typeface="Franklin Gothic Book"/>
+                              </a:rPr>
+                            </m:ctrlPr>
+                          </m:dPr>
+                          <m:e>
+                            <m:r>
+                              <a:rPr lang="zh-TW" altLang="ar-AE" i="1">
+                                <a:latin typeface="Cambria Math" panose="02040503050406030204" pitchFamily="18" charset="0"/>
+                                <a:sym typeface="Franklin Gothic Book"/>
+                              </a:rPr>
+                              <m:t>𝑘</m:t>
+                            </m:r>
+                          </m:e>
+                        </m:d>
+                        <m:func>
+                          <m:funcPr>
+                            <m:ctrlPr>
+                              <a:rPr lang="ar-AE" altLang="zh-TW" i="1">
+                                <a:latin typeface="Cambria Math" panose="02040503050406030204" pitchFamily="18" charset="0"/>
+                                <a:sym typeface="Franklin Gothic Book"/>
+                              </a:rPr>
+                            </m:ctrlPr>
+                          </m:funcPr>
+                          <m:fName>
+                            <m:r>
+                              <m:rPr>
+                                <m:sty m:val="p"/>
+                              </m:rPr>
+                              <a:rPr lang="en-US" altLang="zh-TW">
+                                <a:latin typeface="Cambria Math" panose="02040503050406030204" pitchFamily="18" charset="0"/>
+                                <a:sym typeface="Franklin Gothic Book"/>
+                              </a:rPr>
+                              <m:t>sin</m:t>
+                            </m:r>
+                          </m:fName>
+                          <m:e>
+                            <m:d>
+                              <m:dPr>
+                                <m:ctrlPr>
+                                  <a:rPr lang="ar-AE" altLang="zh-TW" i="1">
+                                    <a:latin typeface="Cambria Math" panose="02040503050406030204" pitchFamily="18" charset="0"/>
+                                    <a:sym typeface="Franklin Gothic Book"/>
+                                  </a:rPr>
+                                </m:ctrlPr>
+                              </m:dPr>
+                              <m:e>
+                                <m:r>
+                                  <a:rPr lang="zh-TW" altLang="ar-AE" i="1">
+                                    <a:latin typeface="Cambria Math" panose="02040503050406030204" pitchFamily="18" charset="0"/>
+                                    <a:sym typeface="Franklin Gothic Book"/>
+                                  </a:rPr>
+                                  <m:t>𝑘𝑡</m:t>
+                                </m:r>
+                              </m:e>
+                            </m:d>
+                          </m:e>
+                        </m:func>
+                        <m:r>
+                          <a:rPr lang="ar-AE" altLang="zh-TW" i="1">
+                            <a:latin typeface="Cambria Math" panose="02040503050406030204" pitchFamily="18" charset="0"/>
+                            <a:sym typeface="Franklin Gothic Book"/>
+                          </a:rPr>
+                          <m:t>)</m:t>
+                        </m:r>
+                      </m:e>
+                    </m:nary>
+                  </m:oMath>
+                </a14:m>
+                <a:r>
+                  <a:rPr lang="ar-AE" altLang="zh-TW" dirty="0">
+                    <a:sym typeface="Franklin Gothic Book"/>
+                  </a:rPr>
+                  <a:t> = 50</a:t>
+                </a:r>
+                <a:r>
+                  <a:rPr lang="en-US" altLang="zh-TW" dirty="0">
+                    <a:sym typeface="Franklin Gothic Book"/>
+                  </a:rPr>
+                  <a:t>sin(t) + 20sin(2t) + 10cos(3t) + 20cos(5t)</a:t>
                 </a:r>
               </a:p>
               <a:p>
@@ -9226,6 +9570,7 @@
                       <m:sSubPr>
                         <m:ctrlPr>
                           <a:rPr lang="ar-AE" altLang="zh-TW" i="1">
+                            <a:latin typeface="Cambria Math" panose="02040503050406030204" pitchFamily="18" charset="0"/>
                             <a:sym typeface="Franklin Gothic Book"/>
                           </a:rPr>
                         </m:ctrlPr>
@@ -9233,6 +9578,7 @@
                       <m:e>
                         <m:r>
                           <a:rPr lang="zh-TW" altLang="ar-AE" i="1">
+                            <a:latin typeface="Cambria Math" panose="02040503050406030204" pitchFamily="18" charset="0"/>
                             <a:sym typeface="Franklin Gothic Book"/>
                           </a:rPr>
                           <m:t>𝑓</m:t>
@@ -9241,316 +9587,7 @@
                       <m:sub>
                         <m:r>
                           <a:rPr lang="zh-TW" altLang="ar-AE" i="1">
-                            <a:sym typeface="Franklin Gothic Book"/>
-                          </a:rPr>
-                          <m:t>𝑥</m:t>
-                        </m:r>
-                      </m:sub>
-                    </m:sSub>
-                  </m:oMath>
-                </a14:m>
-                <a:r>
-                  <a:rPr lang="ar-AE" altLang="zh-TW" dirty="0">
-                    <a:sym typeface="Franklin Gothic Book"/>
-                  </a:rPr>
-                  <a:t>(</a:t>
-                </a:r>
-                <a:r>
-                  <a:rPr lang="en-US" altLang="zh-TW" dirty="0">
-                    <a:sym typeface="Franklin Gothic Book"/>
-                  </a:rPr>
-                  <a:t>t) = </a:t>
-                </a:r>
-                <a14:m>
-                  <m:oMath xmlns:m="http://schemas.openxmlformats.org/officeDocument/2006/math">
-                    <m:nary>
-                      <m:naryPr>
-                        <m:chr m:val="∑"/>
-                        <m:limLoc m:val="undOvr"/>
-                        <m:ctrlPr>
-                          <a:rPr lang="ar-AE" altLang="zh-TW" i="1">
-                            <a:sym typeface="Franklin Gothic Book"/>
-                          </a:rPr>
-                        </m:ctrlPr>
-                      </m:naryPr>
-                      <m:sub>
-                        <m:r>
-                          <a:rPr lang="zh-TW" altLang="ar-AE" i="1">
-                            <a:sym typeface="Franklin Gothic Book"/>
-                          </a:rPr>
-                          <m:t>𝑘</m:t>
-                        </m:r>
-                        <m:r>
-                          <a:rPr lang="ar-AE" altLang="zh-TW" i="1">
-                            <a:sym typeface="Franklin Gothic Book"/>
-                          </a:rPr>
-                          <m:t>=</m:t>
-                        </m:r>
-                        <m:r>
-                          <a:rPr lang="ar-AE" altLang="zh-TW" i="1">
-                            <a:sym typeface="Franklin Gothic Book"/>
-                          </a:rPr>
-                          <m:t>0</m:t>
-                        </m:r>
-                      </m:sub>
-                      <m:sup>
-                        <m:r>
-                          <a:rPr lang="ar-AE" altLang="zh-TW" i="1">
-                            <a:sym typeface="Franklin Gothic Book"/>
-                          </a:rPr>
-                          <m:t>5</m:t>
-                        </m:r>
-                      </m:sup>
-                      <m:e>
-                        <m:r>
-                          <a:rPr lang="ar-AE" altLang="zh-TW" i="1">
-                            <a:sym typeface="Franklin Gothic Book"/>
-                          </a:rPr>
-                          <m:t>(</m:t>
-                        </m:r>
-                        <m:sSub>
-                          <m:sSubPr>
-                            <m:ctrlPr>
-                              <a:rPr lang="ar-AE" altLang="zh-TW" i="1">
-                                <a:sym typeface="Franklin Gothic Book"/>
-                              </a:rPr>
-                            </m:ctrlPr>
-                          </m:sSubPr>
-                          <m:e>
-                            <m:r>
-                              <a:rPr lang="zh-TW" altLang="ar-AE" i="1">
-                                <a:sym typeface="Franklin Gothic Book"/>
-                              </a:rPr>
-                              <m:t>𝐴</m:t>
-                            </m:r>
-                          </m:e>
-                          <m:sub>
-                            <m:r>
-                              <a:rPr lang="zh-TW" altLang="ar-AE" i="1">
-                                <a:sym typeface="Franklin Gothic Book"/>
-                              </a:rPr>
-                              <m:t>𝑥</m:t>
-                            </m:r>
-                          </m:sub>
-                        </m:sSub>
-                        <m:d>
-                          <m:dPr>
-                            <m:begChr m:val="["/>
-                            <m:endChr m:val="]"/>
-                            <m:ctrlPr>
-                              <a:rPr lang="ar-AE" altLang="zh-TW" i="1">
-                                <a:sym typeface="Franklin Gothic Book"/>
-                              </a:rPr>
-                            </m:ctrlPr>
-                          </m:dPr>
-                          <m:e>
-                            <m:r>
-                              <a:rPr lang="zh-TW" altLang="ar-AE" i="1">
-                                <a:sym typeface="Franklin Gothic Book"/>
-                              </a:rPr>
-                              <m:t>𝑘</m:t>
-                            </m:r>
-                          </m:e>
-                        </m:d>
-                        <m:func>
-                          <m:funcPr>
-                            <m:ctrlPr>
-                              <a:rPr lang="ar-AE" altLang="zh-TW" i="1">
-                                <a:sym typeface="Franklin Gothic Book"/>
-                              </a:rPr>
-                            </m:ctrlPr>
-                          </m:funcPr>
-                          <m:fName>
-                            <m:r>
-                              <m:rPr>
-                                <m:sty m:val="p"/>
-                              </m:rPr>
-                              <a:rPr lang="en-US" altLang="zh-TW">
-                                <a:sym typeface="Franklin Gothic Book"/>
-                              </a:rPr>
-                              <m:t>cos</m:t>
-                            </m:r>
-                          </m:fName>
-                          <m:e>
-                            <m:d>
-                              <m:dPr>
-                                <m:ctrlPr>
-                                  <a:rPr lang="ar-AE" altLang="zh-TW" i="1">
-                                    <a:sym typeface="Franklin Gothic Book"/>
-                                  </a:rPr>
-                                </m:ctrlPr>
-                              </m:dPr>
-                              <m:e>
-                                <m:r>
-                                  <a:rPr lang="zh-TW" altLang="ar-AE" i="1">
-                                    <a:sym typeface="Franklin Gothic Book"/>
-                                  </a:rPr>
-                                  <m:t>𝑘𝑡</m:t>
-                                </m:r>
-                              </m:e>
-                            </m:d>
-                          </m:e>
-                        </m:func>
-                        <m:r>
-                          <a:rPr lang="ar-AE" altLang="zh-TW" i="1">
-                            <a:sym typeface="Franklin Gothic Book"/>
-                          </a:rPr>
-                          <m:t>+</m:t>
-                        </m:r>
-                        <m:sSub>
-                          <m:sSubPr>
-                            <m:ctrlPr>
-                              <a:rPr lang="ar-AE" altLang="zh-TW" i="1">
-                                <a:sym typeface="Franklin Gothic Book"/>
-                              </a:rPr>
-                            </m:ctrlPr>
-                          </m:sSubPr>
-                          <m:e>
-                            <m:r>
-                              <a:rPr lang="zh-TW" altLang="ar-AE" i="1">
-                                <a:sym typeface="Franklin Gothic Book"/>
-                              </a:rPr>
-                              <m:t>𝐵</m:t>
-                            </m:r>
-                          </m:e>
-                          <m:sub>
-                            <m:r>
-                              <a:rPr lang="zh-TW" altLang="ar-AE" i="1">
-                                <a:sym typeface="Franklin Gothic Book"/>
-                              </a:rPr>
-                              <m:t>𝑥</m:t>
-                            </m:r>
-                          </m:sub>
-                        </m:sSub>
-                        <m:d>
-                          <m:dPr>
-                            <m:begChr m:val="["/>
-                            <m:endChr m:val="]"/>
-                            <m:ctrlPr>
-                              <a:rPr lang="ar-AE" altLang="zh-TW" i="1">
-                                <a:sym typeface="Franklin Gothic Book"/>
-                              </a:rPr>
-                            </m:ctrlPr>
-                          </m:dPr>
-                          <m:e>
-                            <m:r>
-                              <a:rPr lang="zh-TW" altLang="ar-AE" i="1">
-                                <a:sym typeface="Franklin Gothic Book"/>
-                              </a:rPr>
-                              <m:t>𝑘</m:t>
-                            </m:r>
-                          </m:e>
-                        </m:d>
-                        <m:func>
-                          <m:funcPr>
-                            <m:ctrlPr>
-                              <a:rPr lang="ar-AE" altLang="zh-TW" i="1">
-                                <a:sym typeface="Franklin Gothic Book"/>
-                              </a:rPr>
-                            </m:ctrlPr>
-                          </m:funcPr>
-                          <m:fName>
-                            <m:r>
-                              <m:rPr>
-                                <m:sty m:val="p"/>
-                              </m:rPr>
-                              <a:rPr lang="en-US" altLang="zh-TW">
-                                <a:sym typeface="Franklin Gothic Book"/>
-                              </a:rPr>
-                              <m:t>sin</m:t>
-                            </m:r>
-                          </m:fName>
-                          <m:e>
-                            <m:d>
-                              <m:dPr>
-                                <m:ctrlPr>
-                                  <a:rPr lang="ar-AE" altLang="zh-TW" i="1">
-                                    <a:sym typeface="Franklin Gothic Book"/>
-                                  </a:rPr>
-                                </m:ctrlPr>
-                              </m:dPr>
-                              <m:e>
-                                <m:r>
-                                  <a:rPr lang="zh-TW" altLang="ar-AE" i="1">
-                                    <a:sym typeface="Franklin Gothic Book"/>
-                                  </a:rPr>
-                                  <m:t>𝑘𝑡</m:t>
-                                </m:r>
-                              </m:e>
-                            </m:d>
-                          </m:e>
-                        </m:func>
-                        <m:r>
-                          <a:rPr lang="ar-AE" altLang="zh-TW" i="1">
-                            <a:sym typeface="Franklin Gothic Book"/>
-                          </a:rPr>
-                          <m:t>)</m:t>
-                        </m:r>
-                      </m:e>
-                    </m:nary>
-                  </m:oMath>
-                </a14:m>
-                <a:r>
-                  <a:rPr lang="ar-AE" altLang="zh-TW" dirty="0">
-                    <a:sym typeface="Franklin Gothic Book"/>
-                  </a:rPr>
-                  <a:t> = 50</a:t>
-                </a:r>
-                <a:r>
-                  <a:rPr lang="en-US" altLang="zh-TW" dirty="0">
-                    <a:sym typeface="Franklin Gothic Book"/>
-                  </a:rPr>
-                  <a:t>sin(t) + 20sin(2t) + 10cos(3t) + 20cos(5t</a:t>
-                </a:r>
-                <a:r>
-                  <a:rPr lang="en-US" altLang="zh-TW" dirty="0">
-                    <a:sym typeface="Franklin Gothic Book"/>
-                  </a:rPr>
-                  <a:t>)</a:t>
-                </a:r>
-              </a:p>
-              <a:p>
-                <a:pPr marL="768973" lvl="1" indent="-387120" defTabSz="936345">
-                  <a:lnSpc>
-                    <a:spcPct val="94000"/>
-                  </a:lnSpc>
-                  <a:spcBef>
-                    <a:spcPts val="500"/>
-                  </a:spcBef>
-                  <a:buSzPct val="100000"/>
-                  <a:buFont typeface="Franklin Gothic Book"/>
-                  <a:buChar char="–"/>
-                  <a:defRPr sz="2016">
-                    <a:solidFill>
-                      <a:srgbClr val="44546A"/>
-                    </a:solidFill>
-                    <a:latin typeface="Franklin Gothic Book"/>
-                    <a:ea typeface="Franklin Gothic Book"/>
-                    <a:cs typeface="Franklin Gothic Book"/>
-                    <a:sym typeface="Franklin Gothic Book"/>
-                  </a:defRPr>
-                </a:pPr>
-                <a14:m>
-                  <m:oMath xmlns:m="http://schemas.openxmlformats.org/officeDocument/2006/math">
-                    <m:sSub>
-                      <m:sSubPr>
-                        <m:ctrlPr>
-                          <a:rPr lang="ar-AE" altLang="zh-TW" i="1">
-                            <a:sym typeface="Franklin Gothic Book"/>
-                          </a:rPr>
-                        </m:ctrlPr>
-                      </m:sSubPr>
-                      <m:e>
-                        <m:r>
-                          <a:rPr lang="zh-TW" altLang="ar-AE" i="1">
-                            <a:sym typeface="Franklin Gothic Book"/>
-                          </a:rPr>
-                          <m:t>𝑓</m:t>
-                        </m:r>
-                      </m:e>
-                      <m:sub>
-                        <m:r>
-                          <a:rPr lang="zh-TW" altLang="ar-AE" i="1">
+                            <a:latin typeface="Cambria Math" panose="02040503050406030204" pitchFamily="18" charset="0"/>
                             <a:sym typeface="Franklin Gothic Book"/>
                           </a:rPr>
                           <m:t>𝑦</m:t>
@@ -9579,6 +9616,7 @@
                         <m:limLoc m:val="undOvr"/>
                         <m:ctrlPr>
                           <a:rPr lang="ar-AE" altLang="zh-TW" i="1">
+                            <a:latin typeface="Cambria Math" panose="02040503050406030204" pitchFamily="18" charset="0"/>
                             <a:sym typeface="Franklin Gothic Book"/>
                           </a:rPr>
                         </m:ctrlPr>
@@ -9586,18 +9624,21 @@
                       <m:sub>
                         <m:r>
                           <a:rPr lang="zh-TW" altLang="ar-AE" i="1">
+                            <a:latin typeface="Cambria Math" panose="02040503050406030204" pitchFamily="18" charset="0"/>
                             <a:sym typeface="Franklin Gothic Book"/>
                           </a:rPr>
                           <m:t>𝑘</m:t>
                         </m:r>
                         <m:r>
                           <a:rPr lang="ar-AE" altLang="zh-TW" i="1">
+                            <a:latin typeface="Cambria Math" panose="02040503050406030204" pitchFamily="18" charset="0"/>
                             <a:sym typeface="Franklin Gothic Book"/>
                           </a:rPr>
                           <m:t>=</m:t>
                         </m:r>
                         <m:r>
                           <a:rPr lang="ar-AE" altLang="zh-TW" i="1">
+                            <a:latin typeface="Cambria Math" panose="02040503050406030204" pitchFamily="18" charset="0"/>
                             <a:sym typeface="Franklin Gothic Book"/>
                           </a:rPr>
                           <m:t>0</m:t>
@@ -9606,6 +9647,7 @@
                       <m:sup>
                         <m:r>
                           <a:rPr lang="ar-AE" altLang="zh-TW" i="1">
+                            <a:latin typeface="Cambria Math" panose="02040503050406030204" pitchFamily="18" charset="0"/>
                             <a:sym typeface="Franklin Gothic Book"/>
                           </a:rPr>
                           <m:t>5</m:t>
@@ -9614,6 +9656,7 @@
                       <m:e>
                         <m:r>
                           <a:rPr lang="ar-AE" altLang="zh-TW" i="1">
+                            <a:latin typeface="Cambria Math" panose="02040503050406030204" pitchFamily="18" charset="0"/>
                             <a:sym typeface="Franklin Gothic Book"/>
                           </a:rPr>
                           <m:t>(</m:t>
@@ -9622,6 +9665,7 @@
                           <m:sSubPr>
                             <m:ctrlPr>
                               <a:rPr lang="ar-AE" altLang="zh-TW" i="1">
+                                <a:latin typeface="Cambria Math" panose="02040503050406030204" pitchFamily="18" charset="0"/>
                                 <a:sym typeface="Franklin Gothic Book"/>
                               </a:rPr>
                             </m:ctrlPr>
@@ -9629,6 +9673,7 @@
                           <m:e>
                             <m:r>
                               <a:rPr lang="zh-TW" altLang="ar-AE" i="1">
+                                <a:latin typeface="Cambria Math" panose="02040503050406030204" pitchFamily="18" charset="0"/>
                                 <a:sym typeface="Franklin Gothic Book"/>
                               </a:rPr>
                               <m:t>𝐴</m:t>
@@ -9637,6 +9682,7 @@
                           <m:sub>
                             <m:r>
                               <a:rPr lang="zh-TW" altLang="ar-AE" i="1">
+                                <a:latin typeface="Cambria Math" panose="02040503050406030204" pitchFamily="18" charset="0"/>
                                 <a:sym typeface="Franklin Gothic Book"/>
                               </a:rPr>
                               <m:t>𝑦</m:t>
@@ -9649,6 +9695,7 @@
                             <m:endChr m:val="]"/>
                             <m:ctrlPr>
                               <a:rPr lang="ar-AE" altLang="zh-TW" i="1">
+                                <a:latin typeface="Cambria Math" panose="02040503050406030204" pitchFamily="18" charset="0"/>
                                 <a:sym typeface="Franklin Gothic Book"/>
                               </a:rPr>
                             </m:ctrlPr>
@@ -9656,6 +9703,7 @@
                           <m:e>
                             <m:r>
                               <a:rPr lang="zh-TW" altLang="ar-AE" i="1">
+                                <a:latin typeface="Cambria Math" panose="02040503050406030204" pitchFamily="18" charset="0"/>
                                 <a:sym typeface="Franklin Gothic Book"/>
                               </a:rPr>
                               <m:t>𝑘</m:t>
@@ -9666,6 +9714,7 @@
                           <m:funcPr>
                             <m:ctrlPr>
                               <a:rPr lang="ar-AE" altLang="zh-TW" i="1">
+                                <a:latin typeface="Cambria Math" panose="02040503050406030204" pitchFamily="18" charset="0"/>
                                 <a:sym typeface="Franklin Gothic Book"/>
                               </a:rPr>
                             </m:ctrlPr>
@@ -9676,6 +9725,7 @@
                                 <m:sty m:val="p"/>
                               </m:rPr>
                               <a:rPr lang="en-US" altLang="zh-TW">
+                                <a:latin typeface="Cambria Math" panose="02040503050406030204" pitchFamily="18" charset="0"/>
                                 <a:sym typeface="Franklin Gothic Book"/>
                               </a:rPr>
                               <m:t>cos</m:t>
@@ -9686,6 +9736,7 @@
                               <m:dPr>
                                 <m:ctrlPr>
                                   <a:rPr lang="ar-AE" altLang="zh-TW" i="1">
+                                    <a:latin typeface="Cambria Math" panose="02040503050406030204" pitchFamily="18" charset="0"/>
                                     <a:sym typeface="Franklin Gothic Book"/>
                                   </a:rPr>
                                 </m:ctrlPr>
@@ -9693,6 +9744,7 @@
                               <m:e>
                                 <m:r>
                                   <a:rPr lang="zh-TW" altLang="ar-AE" i="1">
+                                    <a:latin typeface="Cambria Math" panose="02040503050406030204" pitchFamily="18" charset="0"/>
                                     <a:sym typeface="Franklin Gothic Book"/>
                                   </a:rPr>
                                   <m:t>𝑘𝑡</m:t>
@@ -9703,6 +9755,7 @@
                         </m:func>
                         <m:r>
                           <a:rPr lang="ar-AE" altLang="zh-TW" i="1">
+                            <a:latin typeface="Cambria Math" panose="02040503050406030204" pitchFamily="18" charset="0"/>
                             <a:sym typeface="Franklin Gothic Book"/>
                           </a:rPr>
                           <m:t>+</m:t>
@@ -9711,6 +9764,7 @@
                           <m:sSubPr>
                             <m:ctrlPr>
                               <a:rPr lang="ar-AE" altLang="zh-TW" i="1">
+                                <a:latin typeface="Cambria Math" panose="02040503050406030204" pitchFamily="18" charset="0"/>
                                 <a:sym typeface="Franklin Gothic Book"/>
                               </a:rPr>
                             </m:ctrlPr>
@@ -9718,6 +9772,7 @@
                           <m:e>
                             <m:r>
                               <a:rPr lang="zh-TW" altLang="ar-AE" i="1">
+                                <a:latin typeface="Cambria Math" panose="02040503050406030204" pitchFamily="18" charset="0"/>
                                 <a:sym typeface="Franklin Gothic Book"/>
                               </a:rPr>
                               <m:t>𝐵</m:t>
@@ -9726,6 +9781,7 @@
                           <m:sub>
                             <m:r>
                               <a:rPr lang="zh-TW" altLang="ar-AE" i="1">
+                                <a:latin typeface="Cambria Math" panose="02040503050406030204" pitchFamily="18" charset="0"/>
                                 <a:sym typeface="Franklin Gothic Book"/>
                               </a:rPr>
                               <m:t>𝑦</m:t>
@@ -9738,6 +9794,7 @@
                             <m:endChr m:val="]"/>
                             <m:ctrlPr>
                               <a:rPr lang="ar-AE" altLang="zh-TW" i="1">
+                                <a:latin typeface="Cambria Math" panose="02040503050406030204" pitchFamily="18" charset="0"/>
                                 <a:sym typeface="Franklin Gothic Book"/>
                               </a:rPr>
                             </m:ctrlPr>
@@ -9745,6 +9802,7 @@
                           <m:e>
                             <m:r>
                               <a:rPr lang="zh-TW" altLang="ar-AE" i="1">
+                                <a:latin typeface="Cambria Math" panose="02040503050406030204" pitchFamily="18" charset="0"/>
                                 <a:sym typeface="Franklin Gothic Book"/>
                               </a:rPr>
                               <m:t>𝑘</m:t>
@@ -9755,6 +9813,7 @@
                           <m:funcPr>
                             <m:ctrlPr>
                               <a:rPr lang="ar-AE" altLang="zh-TW" i="1">
+                                <a:latin typeface="Cambria Math" panose="02040503050406030204" pitchFamily="18" charset="0"/>
                                 <a:sym typeface="Franklin Gothic Book"/>
                               </a:rPr>
                             </m:ctrlPr>
@@ -9765,6 +9824,7 @@
                                 <m:sty m:val="p"/>
                               </m:rPr>
                               <a:rPr lang="en-US" altLang="zh-TW">
+                                <a:latin typeface="Cambria Math" panose="02040503050406030204" pitchFamily="18" charset="0"/>
                                 <a:sym typeface="Franklin Gothic Book"/>
                               </a:rPr>
                               <m:t>sin</m:t>
@@ -9775,6 +9835,7 @@
                               <m:dPr>
                                 <m:ctrlPr>
                                   <a:rPr lang="ar-AE" altLang="zh-TW" i="1">
+                                    <a:latin typeface="Cambria Math" panose="02040503050406030204" pitchFamily="18" charset="0"/>
                                     <a:sym typeface="Franklin Gothic Book"/>
                                   </a:rPr>
                                 </m:ctrlPr>
@@ -9782,6 +9843,7 @@
                               <m:e>
                                 <m:r>
                                   <a:rPr lang="zh-TW" altLang="ar-AE" i="1">
+                                    <a:latin typeface="Cambria Math" panose="02040503050406030204" pitchFamily="18" charset="0"/>
                                     <a:sym typeface="Franklin Gothic Book"/>
                                   </a:rPr>
                                   <m:t>𝑘𝑡</m:t>
@@ -9792,6 +9854,7 @@
                         </m:func>
                         <m:r>
                           <a:rPr lang="ar-AE" altLang="zh-TW" i="1">
+                            <a:latin typeface="Cambria Math" panose="02040503050406030204" pitchFamily="18" charset="0"/>
                             <a:sym typeface="Franklin Gothic Book"/>
                           </a:rPr>
                           <m:t>)</m:t>
@@ -9879,9 +9942,10 @@
                   </a:defRPr>
                 </a:pPr>
                 <a:r>
-                  <a:rPr lang="en-US" altLang="zh-TW" dirty="0"/>
-                  <a:t>Animation – Wiggle fish’s body &amp; tail</a:t>
+                  <a:rPr lang="en-US" altLang="zh-TW" dirty="0" smtClean="0"/>
+                  <a:t>Make fish swim</a:t>
                 </a:r>
+                <a:endParaRPr lang="en-US" altLang="zh-TW" dirty="0"/>
               </a:p>
               <a:p>
                 <a:pPr marL="768973" lvl="1" indent="-387120" defTabSz="936345">
@@ -9908,32 +9972,41 @@
                   <a:rPr lang="en-US" altLang="zh-TW" sz="2016" dirty="0">
                     <a:sym typeface="Franklin Gothic Book"/>
                   </a:rPr>
-                  <a:t>Modify position in </a:t>
+                  <a:t>Modify </a:t>
                 </a:r>
                 <a:r>
-                  <a:rPr lang="en-US" altLang="zh-TW" sz="2016" dirty="0" err="1">
+                  <a:rPr lang="en-US" altLang="zh-TW" sz="2016" dirty="0" smtClean="0">
                     <a:sym typeface="Franklin Gothic Book"/>
                   </a:rPr>
-                  <a:t>move_trunk</a:t>
+                  <a:t>the coordinates </a:t>
                 </a:r>
                 <a:r>
                   <a:rPr lang="en-US" altLang="zh-TW" sz="2016" dirty="0">
                     <a:sym typeface="Franklin Gothic Book"/>
                   </a:rPr>
-                  <a:t>(</a:t>
+                  <a:t>in </a:t>
                 </a:r>
                 <a:r>
-                  <a:rPr lang="en-US" altLang="zh-TW" sz="2016" dirty="0" err="1">
+                  <a:rPr lang="en-US" altLang="zh-TW" sz="2016" dirty="0" smtClean="0">
+                    <a:sym typeface="Franklin Gothic Book"/>
+                  </a:rPr>
+                  <a:t>move_trunk(</a:t>
+                </a:r>
+                <a:r>
+                  <a:rPr lang="en-US" altLang="zh-TW" sz="2016" dirty="0" err="1" smtClean="0">
                     <a:sym typeface="Franklin Gothic Book"/>
                   </a:rPr>
                   <a:t>i</a:t>
                 </a:r>
                 <a:r>
-                  <a:rPr lang="en-US" altLang="zh-TW" sz="2016" dirty="0">
+                  <a:rPr lang="en-US" altLang="zh-TW" sz="2016" dirty="0" smtClean="0">
                     <a:sym typeface="Franklin Gothic Book"/>
                   </a:rPr>
-                  <a:t>) function to define new position for animation:</a:t>
+                  <a:t>):</a:t>
                 </a:r>
+                <a:endParaRPr lang="en-US" altLang="zh-TW" sz="2016" dirty="0">
+                  <a:sym typeface="Franklin Gothic Book"/>
+                </a:endParaRPr>
               </a:p>
               <a:p>
                 <a:pPr marL="381853" lvl="7" indent="0" defTabSz="936345">
@@ -9958,19 +10031,7 @@
                   <a:rPr lang="en-US" altLang="zh-TW" sz="2016" dirty="0">
                     <a:sym typeface="Franklin Gothic Book"/>
                   </a:rPr>
-                  <a:t>       x, y = elephant(</a:t>
-                </a:r>
-                <a:r>
-                  <a:rPr lang="en-US" altLang="zh-TW" sz="2016" dirty="0" err="1">
-                    <a:sym typeface="Franklin Gothic Book"/>
-                  </a:rPr>
-                  <a:t>linspace</a:t>
-                </a:r>
-                <a:r>
-                  <a:rPr lang="en-US" altLang="zh-TW" sz="2016" dirty="0">
-                    <a:sym typeface="Franklin Gothic Book"/>
-                  </a:rPr>
-                  <a:t>(0.2 * pi, 0.4 + 3.3 * pi, 1000), parameters)</a:t>
+                  <a:t>       x, y = elephant(linspace(0.2 * pi, 0.4 + 3.3 * pi, 1000), parameters)</a:t>
                 </a:r>
               </a:p>
               <a:p>
@@ -9998,8 +10059,17 @@
                   <a:rPr lang="en-US" altLang="zh-TW" sz="2016" dirty="0">
                     <a:sym typeface="Franklin Gothic Book"/>
                   </a:rPr>
-                  <a:t>Add code to play animation and save as MP4 file</a:t>
+                  <a:t>Add </a:t>
                 </a:r>
+                <a:r>
+                  <a:rPr lang="en-US" altLang="zh-TW" sz="2016" dirty="0" smtClean="0">
+                    <a:sym typeface="Franklin Gothic Book"/>
+                  </a:rPr>
+                  <a:t>source code:</a:t>
+                </a:r>
+                <a:endParaRPr lang="en-US" altLang="zh-TW" sz="2016" dirty="0">
+                  <a:sym typeface="Franklin Gothic Book"/>
+                </a:endParaRPr>
               </a:p>
               <a:p>
                 <a:pPr marL="294893" lvl="2" indent="-294893" algn="just" defTabSz="502412">
@@ -10216,7 +10286,7 @@
         </p:blipFill>
         <p:spPr>
           <a:xfrm>
-            <a:off x="2205612" y="6877211"/>
+            <a:off x="2205612" y="6605739"/>
             <a:ext cx="7354682" cy="982737"/>
           </a:xfrm>
           <a:prstGeom prst="rect">
@@ -10266,7 +10336,7 @@
           </a:prstGeom>
           <a:extLst>
             <a:ext uri="{C572A759-6A51-4108-AA02-DFA0A04FC94B}">
-              <ma14:wrappingTextBoxFlag xmlns:ma14="http://schemas.microsoft.com/office/mac/drawingml/2011/main" xmlns:a14="http://schemas.microsoft.com/office/drawing/2010/main" xmlns:m="http://schemas.openxmlformats.org/officeDocument/2006/math" xmlns="" val="1"/>
+              <ma14:wrappingTextBoxFlag xmlns="" xmlns:m="http://schemas.openxmlformats.org/officeDocument/2006/math" xmlns:a14="http://schemas.microsoft.com/office/drawing/2010/main" xmlns:ma14="http://schemas.microsoft.com/office/mac/drawingml/2011/main" val="1"/>
             </a:ext>
           </a:extLst>
         </p:spPr>
@@ -10346,6 +10416,10 @@
                 </a:solidFill>
               </a:defRPr>
             </a:pPr>
+            <a:r>
+              <a:rPr lang="en-US" dirty="0" smtClean="0"/>
+              <a:t>Image:</a:t>
+            </a:r>
             <a:endParaRPr lang="en-US" dirty="0" smtClean="0"/>
           </a:p>
           <a:p>
